--- a/TP1 - Zhed/Checkpoint 1.pptx
+++ b/TP1 - Zhed/Checkpoint 1.pptx
@@ -306,7 +306,7 @@
             <a:fld id="{87DE6118-2437-4B30-8E3C-4D2BE6020583}" type="datetimeFigureOut">
               <a:rPr lang="en-US" dirty="0"/>
               <a:pPr/>
-              <a:t>3/16/2020</a:t>
+              <a:t>3/30/2020</a:t>
             </a:fld>
             <a:endParaRPr lang="en-US"/>
           </a:p>
@@ -375,7 +375,7 @@
             <a:fld id="{69E57DC2-970A-4B3E-BB1C-7A09969E49DF}" type="slidenum">
               <a:rPr lang="en-US" dirty="0"/>
               <a:pPr/>
-              <a:t>‹nº›</a:t>
+              <a:t>‹#›</a:t>
             </a:fld>
             <a:endParaRPr lang="en-US"/>
           </a:p>
@@ -630,7 +630,7 @@
           <a:p>
             <a:fld id="{87DE6118-2437-4B30-8E3C-4D2BE6020583}" type="datetimeFigureOut">
               <a:rPr lang="en-US" dirty="0"/>
-              <a:t>3/16/2020</a:t>
+              <a:t>3/30/2020</a:t>
             </a:fld>
             <a:endParaRPr lang="en-US"/>
           </a:p>
@@ -672,7 +672,7 @@
           <a:p>
             <a:fld id="{69E57DC2-970A-4B3E-BB1C-7A09969E49DF}" type="slidenum">
               <a:rPr lang="en-US" dirty="0"/>
-              <a:t>‹nº›</a:t>
+              <a:t>‹#›</a:t>
             </a:fld>
             <a:endParaRPr lang="en-US"/>
           </a:p>
@@ -803,7 +803,7 @@
           <a:p>
             <a:fld id="{87DE6118-2437-4B30-8E3C-4D2BE6020583}" type="datetimeFigureOut">
               <a:rPr lang="en-US" dirty="0"/>
-              <a:t>3/16/2020</a:t>
+              <a:t>3/30/2020</a:t>
             </a:fld>
             <a:endParaRPr lang="en-US"/>
           </a:p>
@@ -845,7 +845,7 @@
           <a:p>
             <a:fld id="{69E57DC2-970A-4B3E-BB1C-7A09969E49DF}" type="slidenum">
               <a:rPr lang="en-US" dirty="0"/>
-              <a:t>‹nº›</a:t>
+              <a:t>‹#›</a:t>
             </a:fld>
             <a:endParaRPr lang="en-US"/>
           </a:p>
@@ -966,7 +966,7 @@
           <a:p>
             <a:fld id="{87DE6118-2437-4B30-8E3C-4D2BE6020583}" type="datetimeFigureOut">
               <a:rPr lang="en-US" dirty="0"/>
-              <a:t>3/16/2020</a:t>
+              <a:t>3/30/2020</a:t>
             </a:fld>
             <a:endParaRPr lang="en-US"/>
           </a:p>
@@ -1008,7 +1008,7 @@
           <a:p>
             <a:fld id="{69E57DC2-970A-4B3E-BB1C-7A09969E49DF}" type="slidenum">
               <a:rPr lang="en-US" dirty="0"/>
-              <a:t>‹nº›</a:t>
+              <a:t>‹#›</a:t>
             </a:fld>
             <a:endParaRPr lang="en-US"/>
           </a:p>
@@ -1238,7 +1238,7 @@
             <a:fld id="{87DE6118-2437-4B30-8E3C-4D2BE6020583}" type="datetimeFigureOut">
               <a:rPr lang="en-US" dirty="0"/>
               <a:pPr/>
-              <a:t>3/16/2020</a:t>
+              <a:t>3/30/2020</a:t>
             </a:fld>
             <a:endParaRPr lang="en-US"/>
           </a:p>
@@ -1307,7 +1307,7 @@
             <a:fld id="{69E57DC2-970A-4B3E-BB1C-7A09969E49DF}" type="slidenum">
               <a:rPr lang="en-US" dirty="0"/>
               <a:pPr/>
-              <a:t>‹nº›</a:t>
+              <a:t>‹#›</a:t>
             </a:fld>
             <a:endParaRPr lang="en-US"/>
           </a:p>
@@ -1625,7 +1625,7 @@
           <a:p>
             <a:fld id="{87DE6118-2437-4B30-8E3C-4D2BE6020583}" type="datetimeFigureOut">
               <a:rPr lang="en-US" dirty="0"/>
-              <a:t>3/16/2020</a:t>
+              <a:t>3/30/2020</a:t>
             </a:fld>
             <a:endParaRPr lang="en-US"/>
           </a:p>
@@ -1667,7 +1667,7 @@
           <a:p>
             <a:fld id="{69E57DC2-970A-4B3E-BB1C-7A09969E49DF}" type="slidenum">
               <a:rPr lang="en-US" dirty="0"/>
-              <a:t>‹nº›</a:t>
+              <a:t>‹#›</a:t>
             </a:fld>
             <a:endParaRPr lang="en-US"/>
           </a:p>
@@ -2094,7 +2094,7 @@
           <a:p>
             <a:fld id="{87DE6118-2437-4B30-8E3C-4D2BE6020583}" type="datetimeFigureOut">
               <a:rPr lang="en-US" dirty="0"/>
-              <a:t>3/16/2020</a:t>
+              <a:t>3/30/2020</a:t>
             </a:fld>
             <a:endParaRPr lang="en-US"/>
           </a:p>
@@ -2136,7 +2136,7 @@
           <a:p>
             <a:fld id="{69E57DC2-970A-4B3E-BB1C-7A09969E49DF}" type="slidenum">
               <a:rPr lang="en-US" dirty="0"/>
-              <a:t>‹nº›</a:t>
+              <a:t>‹#›</a:t>
             </a:fld>
             <a:endParaRPr lang="en-US"/>
           </a:p>
@@ -2206,7 +2206,7 @@
           <a:p>
             <a:fld id="{87DE6118-2437-4B30-8E3C-4D2BE6020583}" type="datetimeFigureOut">
               <a:rPr lang="en-US" dirty="0"/>
-              <a:t>3/16/2020</a:t>
+              <a:t>3/30/2020</a:t>
             </a:fld>
             <a:endParaRPr lang="en-US"/>
           </a:p>
@@ -2248,7 +2248,7 @@
           <a:p>
             <a:fld id="{69E57DC2-970A-4B3E-BB1C-7A09969E49DF}" type="slidenum">
               <a:rPr lang="en-US" dirty="0"/>
-              <a:t>‹nº›</a:t>
+              <a:t>‹#›</a:t>
             </a:fld>
             <a:endParaRPr lang="en-US"/>
           </a:p>
@@ -2296,7 +2296,7 @@
           <a:p>
             <a:fld id="{87DE6118-2437-4B30-8E3C-4D2BE6020583}" type="datetimeFigureOut">
               <a:rPr lang="en-US" dirty="0"/>
-              <a:t>3/16/2020</a:t>
+              <a:t>3/30/2020</a:t>
             </a:fld>
             <a:endParaRPr lang="en-US"/>
           </a:p>
@@ -2338,7 +2338,7 @@
           <a:p>
             <a:fld id="{69E57DC2-970A-4B3E-BB1C-7A09969E49DF}" type="slidenum">
               <a:rPr lang="en-US" dirty="0"/>
-              <a:t>‹nº›</a:t>
+              <a:t>‹#›</a:t>
             </a:fld>
             <a:endParaRPr lang="en-US"/>
           </a:p>
@@ -2636,7 +2636,7 @@
             <a:fld id="{87DE6118-2437-4B30-8E3C-4D2BE6020583}" type="datetimeFigureOut">
               <a:rPr lang="en-US" dirty="0"/>
               <a:pPr/>
-              <a:t>3/16/2020</a:t>
+              <a:t>3/30/2020</a:t>
             </a:fld>
             <a:endParaRPr lang="en-US"/>
           </a:p>
@@ -2705,7 +2705,7 @@
             <a:fld id="{69E57DC2-970A-4B3E-BB1C-7A09969E49DF}" type="slidenum">
               <a:rPr lang="en-US" dirty="0"/>
               <a:pPr/>
-              <a:t>‹nº›</a:t>
+              <a:t>‹#›</a:t>
             </a:fld>
             <a:endParaRPr lang="en-US"/>
           </a:p>
@@ -3019,7 +3019,7 @@
             <a:fld id="{87DE6118-2437-4B30-8E3C-4D2BE6020583}" type="datetimeFigureOut">
               <a:rPr lang="en-US" dirty="0"/>
               <a:pPr/>
-              <a:t>3/16/2020</a:t>
+              <a:t>3/30/2020</a:t>
             </a:fld>
             <a:endParaRPr lang="en-US"/>
           </a:p>
@@ -3088,7 +3088,7 @@
             <a:fld id="{69E57DC2-970A-4B3E-BB1C-7A09969E49DF}" type="slidenum">
               <a:rPr lang="en-US" dirty="0"/>
               <a:pPr/>
-              <a:t>‹nº›</a:t>
+              <a:t>‹#›</a:t>
             </a:fld>
             <a:endParaRPr lang="en-US"/>
           </a:p>
@@ -3292,7 +3292,7 @@
             <a:fld id="{87DE6118-2437-4B30-8E3C-4D2BE6020583}" type="datetimeFigureOut">
               <a:rPr lang="en-US" dirty="0"/>
               <a:pPr/>
-              <a:t>3/16/2020</a:t>
+              <a:t>3/30/2020</a:t>
             </a:fld>
             <a:endParaRPr lang="en-US"/>
           </a:p>
@@ -3367,7 +3367,7 @@
             <a:fld id="{69E57DC2-970A-4B3E-BB1C-7A09969E49DF}" type="slidenum">
               <a:rPr lang="en-US" dirty="0"/>
               <a:pPr/>
-              <a:t>‹nº›</a:t>
+              <a:t>‹#›</a:t>
             </a:fld>
             <a:endParaRPr lang="en-US"/>
           </a:p>
@@ -8622,7 +8622,7 @@
           <a:lstStyle/>
           <a:p>
             <a:r>
-              <a:rPr lang="pt-PT"/>
+              <a:rPr lang="pt-PT" dirty="0"/>
               <a:t>Console representation:</a:t>
             </a:r>
           </a:p>
@@ -8960,6 +8960,21 @@
 </file>
 
 <file path=customXml/item1.xml><?xml version="1.0" encoding="utf-8"?>
+<p:properties xmlns:p="http://schemas.microsoft.com/office/2006/metadata/properties" xmlns:xsi="http://www.w3.org/2001/XMLSchema-instance" xmlns:pc="http://schemas.microsoft.com/office/infopath/2007/PartnerControls">
+  <documentManagement/>
+</p:properties>
+</file>
+
+<file path=customXml/item2.xml><?xml version="1.0" encoding="utf-8"?>
+<?mso-contentType ?>
+<FormTemplates xmlns="http://schemas.microsoft.com/sharepoint/v3/contenttype/forms">
+  <Display>DocumentLibraryForm</Display>
+  <Edit>DocumentLibraryForm</Edit>
+  <New>DocumentLibraryForm</New>
+</FormTemplates>
+</file>
+
+<file path=customXml/item3.xml><?xml version="1.0" encoding="utf-8"?>
 <ct:contentTypeSchema xmlns:ct="http://schemas.microsoft.com/office/2006/metadata/contentType" xmlns:ma="http://schemas.microsoft.com/office/2006/metadata/properties/metaAttributes" ct:_="" ma:_="" ma:contentTypeName="Documento" ma:contentTypeID="0x010100C212DCAE0B3AC64A8F020A4E3110E2C5" ma:contentTypeVersion="4" ma:contentTypeDescription="Criar um novo documento." ma:contentTypeScope="" ma:versionID="047ddf217a673f80776ad907e0b8b9ca">
   <xsd:schema xmlns:xsd="http://www.w3.org/2001/XMLSchema" xmlns:xs="http://www.w3.org/2001/XMLSchema" xmlns:p="http://schemas.microsoft.com/office/2006/metadata/properties" xmlns:ns3="55632c6c-942b-460a-81b1-ecaa869c5319" targetNamespace="http://schemas.microsoft.com/office/2006/metadata/properties" ma:root="true" ma:fieldsID="0257c76e39de83f16537c8b81966f961" ns3:_="">
     <xsd:import namespace="55632c6c-942b-460a-81b1-ecaa869c5319"/>
@@ -9105,22 +9120,31 @@
 </ct:contentTypeSchema>
 </file>
 
-<file path=customXml/item2.xml><?xml version="1.0" encoding="utf-8"?>
-<?mso-contentType ?>
-<FormTemplates xmlns="http://schemas.microsoft.com/sharepoint/v3/contenttype/forms">
-  <Display>DocumentLibraryForm</Display>
-  <Edit>DocumentLibraryForm</Edit>
-  <New>DocumentLibraryForm</New>
-</FormTemplates>
+<file path=customXml/itemProps1.xml><?xml version="1.0" encoding="utf-8"?>
+<ds:datastoreItem xmlns:ds="http://schemas.openxmlformats.org/officeDocument/2006/customXml" ds:itemID="{B47A4509-780F-43D6-86D6-767E07B6F805}">
+  <ds:schemaRefs>
+    <ds:schemaRef ds:uri="http://www.w3.org/XML/1998/namespace"/>
+    <ds:schemaRef ds:uri="55632c6c-942b-460a-81b1-ecaa869c5319"/>
+    <ds:schemaRef ds:uri="http://schemas.microsoft.com/office/2006/documentManagement/types"/>
+    <ds:schemaRef ds:uri="http://schemas.microsoft.com/office/infopath/2007/PartnerControls"/>
+    <ds:schemaRef ds:uri="http://purl.org/dc/dcmitype/"/>
+    <ds:schemaRef ds:uri="http://purl.org/dc/terms/"/>
+    <ds:schemaRef ds:uri="http://purl.org/dc/elements/1.1/"/>
+    <ds:schemaRef ds:uri="http://schemas.openxmlformats.org/package/2006/metadata/core-properties"/>
+    <ds:schemaRef ds:uri="http://schemas.microsoft.com/office/2006/metadata/properties"/>
+  </ds:schemaRefs>
+</ds:datastoreItem>
 </file>
 
-<file path=customXml/item3.xml><?xml version="1.0" encoding="utf-8"?>
-<p:properties xmlns:p="http://schemas.microsoft.com/office/2006/metadata/properties" xmlns:xsi="http://www.w3.org/2001/XMLSchema-instance" xmlns:pc="http://schemas.microsoft.com/office/infopath/2007/PartnerControls">
-  <documentManagement/>
-</p:properties>
+<file path=customXml/itemProps2.xml><?xml version="1.0" encoding="utf-8"?>
+<ds:datastoreItem xmlns:ds="http://schemas.openxmlformats.org/officeDocument/2006/customXml" ds:itemID="{9DCAC987-3F42-455D-B295-BE4B881FFFB7}">
+  <ds:schemaRefs>
+    <ds:schemaRef ds:uri="http://schemas.microsoft.com/sharepoint/v3/contenttype/forms"/>
+  </ds:schemaRefs>
+</ds:datastoreItem>
 </file>
 
-<file path=customXml/itemProps1.xml><?xml version="1.0" encoding="utf-8"?>
+<file path=customXml/itemProps3.xml><?xml version="1.0" encoding="utf-8"?>
 <ds:datastoreItem xmlns:ds="http://schemas.openxmlformats.org/officeDocument/2006/customXml" ds:itemID="{1CA452DA-5B35-441E-BA60-3B1E1DD0602F}">
   <ds:schemaRefs>
     <ds:schemaRef ds:uri="55632c6c-942b-460a-81b1-ecaa869c5319"/>
@@ -9136,28 +9160,4 @@
     <ds:schemaRef ds:uri="http://www.w3.org/2001/XMLSchema"/>
   </ds:schemaRefs>
 </ds:datastoreItem>
-</file>
-
-<file path=customXml/itemProps2.xml><?xml version="1.0" encoding="utf-8"?>
-<ds:datastoreItem xmlns:ds="http://schemas.openxmlformats.org/officeDocument/2006/customXml" ds:itemID="{9DCAC987-3F42-455D-B295-BE4B881FFFB7}">
-  <ds:schemaRefs>
-    <ds:schemaRef ds:uri="http://schemas.microsoft.com/sharepoint/v3/contenttype/forms"/>
-  </ds:schemaRefs>
-</ds:datastoreItem>
-</file>
-
-<file path=customXml/itemProps3.xml><?xml version="1.0" encoding="utf-8"?>
-<ds:datastoreItem xmlns:ds="http://schemas.openxmlformats.org/officeDocument/2006/customXml" ds:itemID="{B47A4509-780F-43D6-86D6-767E07B6F805}">
-  <ds:schemaRefs>
-    <ds:schemaRef ds:uri="http://www.w3.org/XML/1998/namespace"/>
-    <ds:schemaRef ds:uri="55632c6c-942b-460a-81b1-ecaa869c5319"/>
-    <ds:schemaRef ds:uri="http://schemas.microsoft.com/office/2006/documentManagement/types"/>
-    <ds:schemaRef ds:uri="http://schemas.microsoft.com/office/infopath/2007/PartnerControls"/>
-    <ds:schemaRef ds:uri="http://purl.org/dc/dcmitype/"/>
-    <ds:schemaRef ds:uri="http://purl.org/dc/terms/"/>
-    <ds:schemaRef ds:uri="http://purl.org/dc/elements/1.1/"/>
-    <ds:schemaRef ds:uri="http://schemas.openxmlformats.org/package/2006/metadata/core-properties"/>
-    <ds:schemaRef ds:uri="http://schemas.microsoft.com/office/2006/metadata/properties"/>
-  </ds:schemaRefs>
-</ds:datastoreItem>
 </file>